--- a/assets/blog_files/files_blog20241228/figures.pptx
+++ b/assets/blog_files/files_blog20241228/figures.pptx
@@ -104,6 +104,11 @@
       </a:defRPr>
     </a:lvl9pPr>
   </p:defaultTextStyle>
+  <p:extLst>
+    <p:ext uri="{EFAFB233-063F-42B5-8137-9DF3F51BA10A}">
+      <p15:sldGuideLst xmlns:p15="http://schemas.microsoft.com/office/powerpoint/2012/main"/>
+    </p:ext>
+  </p:extLst>
 </p:presentation>
 </file>
 
@@ -254,7 +259,7 @@
           <a:p>
             <a:fld id="{6E11CA6D-1E15-435C-A0A5-53663C7ED470}" type="datetimeFigureOut">
               <a:rPr lang="en-US" smtClean="0"/>
-              <a:t>12/28/2024</a:t>
+              <a:t>1/3/2025</a:t>
             </a:fld>
             <a:endParaRPr lang="en-US"/>
           </a:p>
@@ -452,7 +457,7 @@
           <a:p>
             <a:fld id="{6E11CA6D-1E15-435C-A0A5-53663C7ED470}" type="datetimeFigureOut">
               <a:rPr lang="en-US" smtClean="0"/>
-              <a:t>12/28/2024</a:t>
+              <a:t>1/3/2025</a:t>
             </a:fld>
             <a:endParaRPr lang="en-US"/>
           </a:p>
@@ -660,7 +665,7 @@
           <a:p>
             <a:fld id="{6E11CA6D-1E15-435C-A0A5-53663C7ED470}" type="datetimeFigureOut">
               <a:rPr lang="en-US" smtClean="0"/>
-              <a:t>12/28/2024</a:t>
+              <a:t>1/3/2025</a:t>
             </a:fld>
             <a:endParaRPr lang="en-US"/>
           </a:p>
@@ -858,7 +863,7 @@
           <a:p>
             <a:fld id="{6E11CA6D-1E15-435C-A0A5-53663C7ED470}" type="datetimeFigureOut">
               <a:rPr lang="en-US" smtClean="0"/>
-              <a:t>12/28/2024</a:t>
+              <a:t>1/3/2025</a:t>
             </a:fld>
             <a:endParaRPr lang="en-US"/>
           </a:p>
@@ -1133,7 +1138,7 @@
           <a:p>
             <a:fld id="{6E11CA6D-1E15-435C-A0A5-53663C7ED470}" type="datetimeFigureOut">
               <a:rPr lang="en-US" smtClean="0"/>
-              <a:t>12/28/2024</a:t>
+              <a:t>1/3/2025</a:t>
             </a:fld>
             <a:endParaRPr lang="en-US"/>
           </a:p>
@@ -1398,7 +1403,7 @@
           <a:p>
             <a:fld id="{6E11CA6D-1E15-435C-A0A5-53663C7ED470}" type="datetimeFigureOut">
               <a:rPr lang="en-US" smtClean="0"/>
-              <a:t>12/28/2024</a:t>
+              <a:t>1/3/2025</a:t>
             </a:fld>
             <a:endParaRPr lang="en-US"/>
           </a:p>
@@ -1810,7 +1815,7 @@
           <a:p>
             <a:fld id="{6E11CA6D-1E15-435C-A0A5-53663C7ED470}" type="datetimeFigureOut">
               <a:rPr lang="en-US" smtClean="0"/>
-              <a:t>12/28/2024</a:t>
+              <a:t>1/3/2025</a:t>
             </a:fld>
             <a:endParaRPr lang="en-US"/>
           </a:p>
@@ -1951,7 +1956,7 @@
           <a:p>
             <a:fld id="{6E11CA6D-1E15-435C-A0A5-53663C7ED470}" type="datetimeFigureOut">
               <a:rPr lang="en-US" smtClean="0"/>
-              <a:t>12/28/2024</a:t>
+              <a:t>1/3/2025</a:t>
             </a:fld>
             <a:endParaRPr lang="en-US"/>
           </a:p>
@@ -2064,7 +2069,7 @@
           <a:p>
             <a:fld id="{6E11CA6D-1E15-435C-A0A5-53663C7ED470}" type="datetimeFigureOut">
               <a:rPr lang="en-US" smtClean="0"/>
-              <a:t>12/28/2024</a:t>
+              <a:t>1/3/2025</a:t>
             </a:fld>
             <a:endParaRPr lang="en-US"/>
           </a:p>
@@ -2375,7 +2380,7 @@
           <a:p>
             <a:fld id="{6E11CA6D-1E15-435C-A0A5-53663C7ED470}" type="datetimeFigureOut">
               <a:rPr lang="en-US" smtClean="0"/>
-              <a:t>12/28/2024</a:t>
+              <a:t>1/3/2025</a:t>
             </a:fld>
             <a:endParaRPr lang="en-US"/>
           </a:p>
@@ -2663,7 +2668,7 @@
           <a:p>
             <a:fld id="{6E11CA6D-1E15-435C-A0A5-53663C7ED470}" type="datetimeFigureOut">
               <a:rPr lang="en-US" smtClean="0"/>
-              <a:t>12/28/2024</a:t>
+              <a:t>1/3/2025</a:t>
             </a:fld>
             <a:endParaRPr lang="en-US"/>
           </a:p>
@@ -2904,7 +2909,7 @@
           <a:p>
             <a:fld id="{6E11CA6D-1E15-435C-A0A5-53663C7ED470}" type="datetimeFigureOut">
               <a:rPr lang="en-US" smtClean="0"/>
-              <a:t>12/28/2024</a:t>
+              <a:t>1/3/2025</a:t>
             </a:fld>
             <a:endParaRPr lang="en-US"/>
           </a:p>
@@ -3646,7 +3651,7 @@
         </p:blipFill>
         <p:spPr>
           <a:xfrm>
-            <a:off x="4744294" y="3058655"/>
+            <a:off x="4744294" y="2865132"/>
             <a:ext cx="3862678" cy="3637031"/>
           </a:xfrm>
           <a:prstGeom prst="rect">
@@ -3668,7 +3673,7 @@
         </p:nvSpPr>
         <p:spPr>
           <a:xfrm flipV="1">
-            <a:off x="3352798" y="3058655"/>
+            <a:off x="3439884" y="2865132"/>
             <a:ext cx="933754" cy="2300305"/>
           </a:xfrm>
           <a:prstGeom prst="bentArrow">
@@ -3724,7 +3729,7 @@
         </p:nvSpPr>
         <p:spPr>
           <a:xfrm>
-            <a:off x="5557758" y="4672309"/>
+            <a:off x="5557758" y="4478786"/>
             <a:ext cx="1211270" cy="239312"/>
           </a:xfrm>
           <a:prstGeom prst="roundRect">
@@ -3776,7 +3781,7 @@
         </p:nvSpPr>
         <p:spPr>
           <a:xfrm>
-            <a:off x="4863462" y="5683997"/>
+            <a:off x="4863462" y="5490474"/>
             <a:ext cx="2664614" cy="239312"/>
           </a:xfrm>
           <a:prstGeom prst="roundRect">
@@ -3828,7 +3833,7 @@
         </p:nvSpPr>
         <p:spPr>
           <a:xfrm>
-            <a:off x="7668381" y="6456372"/>
+            <a:off x="7668381" y="6262849"/>
             <a:ext cx="938591" cy="239313"/>
           </a:xfrm>
           <a:prstGeom prst="roundRect">
@@ -3880,7 +3885,7 @@
         </p:nvSpPr>
         <p:spPr>
           <a:xfrm>
-            <a:off x="5355686" y="4481192"/>
+            <a:off x="5355686" y="4287669"/>
             <a:ext cx="280846" cy="307777"/>
           </a:xfrm>
           <a:prstGeom prst="rect">
@@ -3919,7 +3924,7 @@
         </p:nvSpPr>
         <p:spPr>
           <a:xfrm>
-            <a:off x="4744294" y="5413543"/>
+            <a:off x="4744294" y="5220020"/>
             <a:ext cx="280846" cy="307777"/>
           </a:xfrm>
           <a:prstGeom prst="rect">
@@ -3958,7 +3963,7 @@
         </p:nvSpPr>
         <p:spPr>
           <a:xfrm>
-            <a:off x="7467174" y="6193763"/>
+            <a:off x="7467174" y="6000240"/>
             <a:ext cx="265332" cy="270454"/>
           </a:xfrm>
           <a:prstGeom prst="rect">
